--- a/IOT/RFID架构图.pptx
+++ b/IOT/RFID架构图.pptx
@@ -4736,95 +4736,231 @@
           <a:chExt cx="0" cy="0"/>
         </a:xfrm>
       </p:grpSpPr>
-      <p:sp>
-        <p:nvSpPr>
-          <p:cNvPr id="11" name="泪滴形 10"/>
-          <p:cNvSpPr/>
-          <p:nvPr/>
-        </p:nvSpPr>
-        <p:spPr>
-          <a:xfrm>
-            <a:off x="4935220" y="4366260"/>
-            <a:ext cx="1157605" cy="1124585"/>
-          </a:xfrm>
-          <a:prstGeom prst="teardrop">
-            <a:avLst/>
-          </a:prstGeom>
-        </p:spPr>
-        <p:style>
-          <a:lnRef idx="3">
-            <a:schemeClr val="lt1"/>
-          </a:lnRef>
-          <a:fillRef idx="1">
-            <a:schemeClr val="accent6"/>
-          </a:fillRef>
-          <a:effectRef idx="1">
-            <a:schemeClr val="accent6"/>
-          </a:effectRef>
-          <a:fontRef idx="minor">
-            <a:schemeClr val="lt1"/>
-          </a:fontRef>
-        </p:style>
-        <p:txBody>
-          <a:bodyPr rtlCol="0" anchor="ctr"/>
-          <a:p>
-            <a:pPr algn="ctr"/>
-            <a:r>
-              <a:rPr lang="en-US" altLang="zh-CN"/>
-              <a:t>RFID</a:t>
-            </a:r>
-            <a:endParaRPr lang="en-US" altLang="zh-CN"/>
-          </a:p>
-          <a:p>
-            <a:pPr algn="ctr"/>
-            <a:r>
-              <a:rPr lang="zh-CN" altLang="en-US"/>
-              <a:t>卡片</a:t>
-            </a:r>
-            <a:endParaRPr lang="zh-CN" altLang="en-US"/>
-          </a:p>
-        </p:txBody>
-      </p:sp>
       <p:grpSp>
         <p:nvGrpSpPr>
-          <p:cNvPr id="18" name="组合 17"/>
+          <p:cNvPr id="5" name="组合 4"/>
           <p:cNvGrpSpPr/>
           <p:nvPr/>
         </p:nvGrpSpPr>
         <p:grpSpPr>
           <a:xfrm>
-            <a:off x="2023110" y="1256665"/>
-            <a:ext cx="2270760" cy="3907790"/>
-            <a:chOff x="3030" y="3394"/>
-            <a:chExt cx="3576" cy="6154"/>
+            <a:off x="1033145" y="1135380"/>
+            <a:ext cx="3994785" cy="4222750"/>
+            <a:chOff x="3186" y="1996"/>
+            <a:chExt cx="6291" cy="6650"/>
           </a:xfrm>
         </p:grpSpPr>
+        <p:sp>
+          <p:nvSpPr>
+            <p:cNvPr id="11" name="泪滴形 10"/>
+            <p:cNvSpPr/>
+            <p:nvPr/>
+          </p:nvSpPr>
+          <p:spPr>
+            <a:xfrm>
+              <a:off x="7654" y="6875"/>
+              <a:ext cx="1823" cy="1771"/>
+            </a:xfrm>
+            <a:prstGeom prst="teardrop">
+              <a:avLst/>
+            </a:prstGeom>
+          </p:spPr>
+          <p:style>
+            <a:lnRef idx="3">
+              <a:schemeClr val="lt1"/>
+            </a:lnRef>
+            <a:fillRef idx="1">
+              <a:schemeClr val="accent6"/>
+            </a:fillRef>
+            <a:effectRef idx="1">
+              <a:schemeClr val="accent6"/>
+            </a:effectRef>
+            <a:fontRef idx="minor">
+              <a:schemeClr val="lt1"/>
+            </a:fontRef>
+          </p:style>
+          <p:txBody>
+            <a:bodyPr rtlCol="0" anchor="ctr"/>
+            <a:p>
+              <a:pPr algn="ctr"/>
+              <a:r>
+                <a:rPr lang="en-US" altLang="zh-CN"/>
+                <a:t>RFID</a:t>
+              </a:r>
+              <a:endParaRPr lang="en-US" altLang="zh-CN"/>
+            </a:p>
+            <a:p>
+              <a:pPr algn="ctr"/>
+              <a:r>
+                <a:rPr lang="zh-CN" altLang="en-US"/>
+                <a:t>卡片</a:t>
+              </a:r>
+              <a:endParaRPr lang="zh-CN" altLang="en-US"/>
+            </a:p>
+          </p:txBody>
+        </p:sp>
         <p:grpSp>
           <p:nvGrpSpPr>
-            <p:cNvPr id="10" name="组合 9"/>
+            <p:cNvPr id="18" name="组合 17"/>
             <p:cNvGrpSpPr/>
             <p:nvPr/>
           </p:nvGrpSpPr>
           <p:grpSpPr>
-            <a:xfrm rot="0">
-              <a:off x="3030" y="3394"/>
-              <a:ext cx="3576" cy="2726"/>
-              <a:chOff x="3630" y="2665"/>
-              <a:chExt cx="3576" cy="2726"/>
+            <a:xfrm>
+              <a:off x="3186" y="1996"/>
+              <a:ext cx="3577" cy="6138"/>
+              <a:chOff x="3030" y="3411"/>
+              <a:chExt cx="3577" cy="6138"/>
             </a:xfrm>
           </p:grpSpPr>
+          <p:grpSp>
+            <p:nvGrpSpPr>
+              <p:cNvPr id="10" name="组合 9"/>
+              <p:cNvGrpSpPr/>
+              <p:nvPr/>
+            </p:nvGrpSpPr>
+            <p:grpSpPr>
+              <a:xfrm rot="0">
+                <a:off x="3030" y="3411"/>
+                <a:ext cx="3577" cy="2709"/>
+                <a:chOff x="3630" y="2682"/>
+                <a:chExt cx="3577" cy="2709"/>
+              </a:xfrm>
+            </p:grpSpPr>
+            <p:sp>
+              <p:nvSpPr>
+                <p:cNvPr id="7" name="圆角矩形 6"/>
+                <p:cNvSpPr/>
+                <p:nvPr/>
+              </p:nvSpPr>
+              <p:spPr>
+                <a:xfrm>
+                  <a:off x="3630" y="4905"/>
+                  <a:ext cx="3577" cy="486"/>
+                </a:xfrm>
+                <a:prstGeom prst="roundRect">
+                  <a:avLst/>
+                </a:prstGeom>
+              </p:spPr>
+              <p:style>
+                <a:lnRef idx="2">
+                  <a:schemeClr val="accent1">
+                    <a:shade val="50000"/>
+                  </a:schemeClr>
+                </a:lnRef>
+                <a:fillRef idx="1">
+                  <a:schemeClr val="accent1"/>
+                </a:fillRef>
+                <a:effectRef idx="0">
+                  <a:schemeClr val="accent1"/>
+                </a:effectRef>
+                <a:fontRef idx="minor">
+                  <a:schemeClr val="lt1"/>
+                </a:fontRef>
+              </p:style>
+              <p:txBody>
+                <a:bodyPr rtlCol="0" anchor="ctr"/>
+                <a:p>
+                  <a:pPr algn="ctr"/>
+                  <a:endParaRPr lang="zh-CN" altLang="en-US"/>
+                </a:p>
+              </p:txBody>
+            </p:sp>
+            <p:sp>
+              <p:nvSpPr>
+                <p:cNvPr id="8" name="圆角矩形 7"/>
+                <p:cNvSpPr/>
+                <p:nvPr/>
+              </p:nvSpPr>
+              <p:spPr>
+                <a:xfrm>
+                  <a:off x="4235" y="2682"/>
+                  <a:ext cx="2379" cy="1667"/>
+                </a:xfrm>
+                <a:prstGeom prst="roundRect">
+                  <a:avLst/>
+                </a:prstGeom>
+              </p:spPr>
+              <p:style>
+                <a:lnRef idx="2">
+                  <a:schemeClr val="accent1">
+                    <a:shade val="50000"/>
+                  </a:schemeClr>
+                </a:lnRef>
+                <a:fillRef idx="1">
+                  <a:schemeClr val="accent1"/>
+                </a:fillRef>
+                <a:effectRef idx="0">
+                  <a:schemeClr val="accent1"/>
+                </a:effectRef>
+                <a:fontRef idx="minor">
+                  <a:schemeClr val="lt1"/>
+                </a:fontRef>
+              </p:style>
+              <p:txBody>
+                <a:bodyPr rtlCol="0" anchor="ctr"/>
+                <a:p>
+                  <a:pPr algn="ctr"/>
+                  <a:r>
+                    <a:rPr lang="en-US" altLang="zh-CN"/>
+                    <a:t>PC</a:t>
+                  </a:r>
+                  <a:endParaRPr lang="en-US" altLang="zh-CN"/>
+                </a:p>
+              </p:txBody>
+            </p:sp>
+            <p:sp>
+              <p:nvSpPr>
+                <p:cNvPr id="9" name="矩形 8"/>
+                <p:cNvSpPr/>
+                <p:nvPr/>
+              </p:nvSpPr>
+              <p:spPr>
+                <a:xfrm>
+                  <a:off x="5158" y="4349"/>
+                  <a:ext cx="495" cy="530"/>
+                </a:xfrm>
+                <a:prstGeom prst="rect">
+                  <a:avLst/>
+                </a:prstGeom>
+              </p:spPr>
+              <p:style>
+                <a:lnRef idx="2">
+                  <a:schemeClr val="accent1">
+                    <a:shade val="50000"/>
+                  </a:schemeClr>
+                </a:lnRef>
+                <a:fillRef idx="1">
+                  <a:schemeClr val="accent1"/>
+                </a:fillRef>
+                <a:effectRef idx="0">
+                  <a:schemeClr val="accent1"/>
+                </a:effectRef>
+                <a:fontRef idx="minor">
+                  <a:schemeClr val="lt1"/>
+                </a:fontRef>
+              </p:style>
+              <p:txBody>
+                <a:bodyPr rtlCol="0" anchor="ctr"/>
+                <a:p>
+                  <a:pPr algn="ctr"/>
+                  <a:endParaRPr lang="zh-CN" altLang="en-US"/>
+                </a:p>
+              </p:txBody>
+            </p:sp>
+          </p:grpSp>
           <p:sp>
             <p:nvSpPr>
-              <p:cNvPr id="7" name="圆角矩形 6"/>
+              <p:cNvPr id="13" name="上下箭头 12"/>
               <p:cNvSpPr/>
               <p:nvPr/>
             </p:nvSpPr>
             <p:spPr>
               <a:xfrm>
-                <a:off x="3630" y="4905"/>
-                <a:ext cx="3577" cy="486"/>
+                <a:off x="4629" y="6172"/>
+                <a:ext cx="390" cy="1832"/>
               </a:xfrm>
-              <a:prstGeom prst="roundRect">
+              <a:prstGeom prst="upDownArrow">
                 <a:avLst/>
               </a:prstGeom>
             </p:spPr>
@@ -4854,16 +4990,16 @@
           </p:sp>
           <p:sp>
             <p:nvSpPr>
-              <p:cNvPr id="8" name="圆角矩形 7"/>
+              <p:cNvPr id="14" name="上箭头标注 13"/>
               <p:cNvSpPr/>
               <p:nvPr/>
             </p:nvSpPr>
             <p:spPr>
               <a:xfrm>
-                <a:off x="4220" y="2665"/>
-                <a:ext cx="2379" cy="1667"/>
+                <a:off x="3804" y="8134"/>
+                <a:ext cx="2040" cy="1415"/>
               </a:xfrm>
-              <a:prstGeom prst="roundRect">
+              <a:prstGeom prst="upArrowCallout">
                 <a:avLst/>
               </a:prstGeom>
             </p:spPr>
@@ -4889,47 +5025,16 @@
                 <a:pPr algn="ctr"/>
                 <a:r>
                   <a:rPr lang="en-US" altLang="zh-CN"/>
-                  <a:t>PC</a:t>
+                  <a:t>RFID</a:t>
                 </a:r>
                 <a:endParaRPr lang="en-US" altLang="zh-CN"/>
               </a:p>
-            </p:txBody>
-          </p:sp>
-          <p:sp>
-            <p:nvSpPr>
-              <p:cNvPr id="9" name="矩形 8"/>
-              <p:cNvSpPr/>
-              <p:nvPr/>
-            </p:nvSpPr>
-            <p:spPr>
-              <a:xfrm>
-                <a:off x="5158" y="4349"/>
-                <a:ext cx="495" cy="530"/>
-              </a:xfrm>
-              <a:prstGeom prst="rect">
-                <a:avLst/>
-              </a:prstGeom>
-            </p:spPr>
-            <p:style>
-              <a:lnRef idx="2">
-                <a:schemeClr val="accent1">
-                  <a:shade val="50000"/>
-                </a:schemeClr>
-              </a:lnRef>
-              <a:fillRef idx="1">
-                <a:schemeClr val="accent1"/>
-              </a:fillRef>
-              <a:effectRef idx="0">
-                <a:schemeClr val="accent1"/>
-              </a:effectRef>
-              <a:fontRef idx="minor">
-                <a:schemeClr val="lt1"/>
-              </a:fontRef>
-            </p:style>
-            <p:txBody>
-              <a:bodyPr rtlCol="0" anchor="ctr"/>
               <a:p>
                 <a:pPr algn="ctr"/>
+                <a:r>
+                  <a:rPr lang="zh-CN" altLang="en-US"/>
+                  <a:t>读卡器</a:t>
+                </a:r>
                 <a:endParaRPr lang="zh-CN" altLang="en-US"/>
               </a:p>
             </p:txBody>
@@ -4937,16 +5042,16 @@
         </p:grpSp>
         <p:sp>
           <p:nvSpPr>
-            <p:cNvPr id="13" name="上下箭头 12"/>
+            <p:cNvPr id="16" name="闪电形 15"/>
             <p:cNvSpPr/>
             <p:nvPr/>
           </p:nvSpPr>
           <p:spPr>
-            <a:xfrm>
-              <a:off x="4629" y="6172"/>
-              <a:ext cx="390" cy="1832"/>
+            <a:xfrm rot="17160000">
+              <a:off x="6460" y="7014"/>
+              <a:ext cx="747" cy="1493"/>
             </a:xfrm>
-            <a:prstGeom prst="upDownArrow">
+            <a:prstGeom prst="lightningBolt">
               <a:avLst/>
             </a:prstGeom>
           </p:spPr>
@@ -4976,16 +5081,688 @@
         </p:sp>
         <p:sp>
           <p:nvSpPr>
-            <p:cNvPr id="14" name="上箭头标注 13"/>
+            <p:cNvPr id="17" name="文本框 16"/>
+            <p:cNvSpPr txBox="1"/>
+            <p:nvPr/>
+          </p:nvSpPr>
+          <p:spPr>
+            <a:xfrm>
+              <a:off x="6347" y="6771"/>
+              <a:ext cx="1451" cy="725"/>
+            </a:xfrm>
+            <a:prstGeom prst="rect">
+              <a:avLst/>
+            </a:prstGeom>
+            <a:noFill/>
+          </p:spPr>
+          <p:txBody>
+            <a:bodyPr wrap="square" rtlCol="0">
+              <a:spAutoFit/>
+            </a:bodyPr>
+            <a:p>
+              <a:r>
+                <a:rPr lang="en-US" altLang="zh-CN" sz="2400" b="1">
+                  <a:latin typeface="Lucida Console" panose="020B0609040504020204" charset="0"/>
+                  <a:cs typeface="Lucida Console" panose="020B0609040504020204" charset="0"/>
+                </a:rPr>
+                <a:t>5CM</a:t>
+              </a:r>
+              <a:endParaRPr lang="en-US" altLang="zh-CN" sz="2400" b="1">
+                <a:latin typeface="Lucida Console" panose="020B0609040504020204" charset="0"/>
+                <a:cs typeface="Lucida Console" panose="020B0609040504020204" charset="0"/>
+              </a:endParaRPr>
+            </a:p>
+          </p:txBody>
+        </p:sp>
+      </p:grpSp>
+      <p:grpSp>
+        <p:nvGrpSpPr>
+          <p:cNvPr id="4" name="组合 3"/>
+          <p:cNvGrpSpPr/>
+          <p:nvPr/>
+        </p:nvGrpSpPr>
+        <p:grpSpPr>
+          <a:xfrm>
+            <a:off x="8807450" y="776605"/>
+            <a:ext cx="2274570" cy="4893310"/>
+            <a:chOff x="12121" y="1198"/>
+            <a:chExt cx="3582" cy="7706"/>
+          </a:xfrm>
+        </p:grpSpPr>
+        <p:grpSp>
+          <p:nvGrpSpPr>
+            <p:cNvPr id="31" name="组合 30"/>
+            <p:cNvGrpSpPr/>
+            <p:nvPr/>
+          </p:nvGrpSpPr>
+          <p:grpSpPr>
+            <a:xfrm>
+              <a:off x="12121" y="6226"/>
+              <a:ext cx="3582" cy="2679"/>
+              <a:chOff x="11461" y="6520"/>
+              <a:chExt cx="3582" cy="2679"/>
+            </a:xfrm>
+          </p:grpSpPr>
+          <p:grpSp>
+            <p:nvGrpSpPr>
+              <p:cNvPr id="27" name="组合 26"/>
+              <p:cNvGrpSpPr/>
+              <p:nvPr/>
+            </p:nvGrpSpPr>
+            <p:grpSpPr>
+              <a:xfrm>
+                <a:off x="12660" y="7343"/>
+                <a:ext cx="1222" cy="1856"/>
+                <a:chOff x="13146" y="5998"/>
+                <a:chExt cx="1222" cy="1856"/>
+              </a:xfrm>
+            </p:grpSpPr>
+            <p:sp>
+              <p:nvSpPr>
+                <p:cNvPr id="24" name="矩形 23"/>
+                <p:cNvSpPr/>
+                <p:nvPr/>
+              </p:nvSpPr>
+              <p:spPr>
+                <a:xfrm>
+                  <a:off x="13146" y="5998"/>
+                  <a:ext cx="1223" cy="1857"/>
+                </a:xfrm>
+                <a:prstGeom prst="rect">
+                  <a:avLst/>
+                </a:prstGeom>
+              </p:spPr>
+              <p:style>
+                <a:lnRef idx="2">
+                  <a:schemeClr val="accent2">
+                    <a:shade val="50000"/>
+                  </a:schemeClr>
+                </a:lnRef>
+                <a:fillRef idx="1">
+                  <a:schemeClr val="accent2"/>
+                </a:fillRef>
+                <a:effectRef idx="0">
+                  <a:schemeClr val="accent2"/>
+                </a:effectRef>
+                <a:fontRef idx="minor">
+                  <a:schemeClr val="lt1"/>
+                </a:fontRef>
+              </p:style>
+              <p:txBody>
+                <a:bodyPr rtlCol="0" anchor="ctr"/>
+                <a:p>
+                  <a:pPr algn="ctr"/>
+                  <a:endParaRPr lang="zh-CN" altLang="en-US"/>
+                </a:p>
+              </p:txBody>
+            </p:sp>
+            <p:sp>
+              <p:nvSpPr>
+                <p:cNvPr id="25" name="矩形 24"/>
+                <p:cNvSpPr/>
+                <p:nvPr/>
+              </p:nvSpPr>
+              <p:spPr>
+                <a:xfrm>
+                  <a:off x="13267" y="6084"/>
+                  <a:ext cx="972" cy="1625"/>
+                </a:xfrm>
+                <a:prstGeom prst="rect">
+                  <a:avLst/>
+                </a:prstGeom>
+                <a:noFill/>
+                <a:extLst>
+                  <a:ext uri="{909E8E84-426E-40DD-AFC4-6F175D3DCCD1}">
+                    <a14:hiddenFill xmlns:a14="http://schemas.microsoft.com/office/drawing/2010/main">
+                      <a:solidFill>
+                        <a:schemeClr val="accent2"/>
+                      </a:solidFill>
+                    </a14:hiddenFill>
+                  </a:ext>
+                </a:extLst>
+              </p:spPr>
+              <p:style>
+                <a:lnRef idx="2">
+                  <a:schemeClr val="accent6"/>
+                </a:lnRef>
+                <a:fillRef idx="1">
+                  <a:schemeClr val="lt1"/>
+                </a:fillRef>
+                <a:effectRef idx="0">
+                  <a:schemeClr val="accent6"/>
+                </a:effectRef>
+                <a:fontRef idx="minor">
+                  <a:schemeClr val="dk1"/>
+                </a:fontRef>
+              </p:style>
+              <p:txBody>
+                <a:bodyPr rtlCol="0" anchor="ctr"/>
+                <a:p>
+                  <a:pPr algn="ctr"/>
+                  <a:endParaRPr lang="zh-CN" altLang="en-US"/>
+                </a:p>
+              </p:txBody>
+            </p:sp>
+          </p:grpSp>
+          <p:sp>
+            <p:nvSpPr>
+              <p:cNvPr id="30" name="文本框 29"/>
+              <p:cNvSpPr txBox="1"/>
+              <p:nvPr/>
+            </p:nvSpPr>
+            <p:spPr>
+              <a:xfrm>
+                <a:off x="11461" y="6520"/>
+                <a:ext cx="3582" cy="628"/>
+              </a:xfrm>
+              <a:prstGeom prst="rect">
+                <a:avLst/>
+              </a:prstGeom>
+              <a:noFill/>
+            </p:spPr>
+            <p:txBody>
+              <a:bodyPr wrap="none" rtlCol="0">
+                <a:spAutoFit/>
+              </a:bodyPr>
+              <a:p>
+                <a:r>
+                  <a:rPr lang="en-US" altLang="zh-CN" sz="2000" b="1">
+                    <a:latin typeface="Lucida Console" panose="020B0609040504020204" charset="0"/>
+                    <a:cs typeface="Lucida Console" panose="020B0609040504020204" charset="0"/>
+                  </a:rPr>
+                  <a:t>ANDROID</a:t>
+                </a:r>
+                <a:r>
+                  <a:rPr lang="zh-CN" altLang="en-US" sz="2000" b="1">
+                    <a:latin typeface="Lucida Console" panose="020B0609040504020204" charset="0"/>
+                    <a:cs typeface="Lucida Console" panose="020B0609040504020204" charset="0"/>
+                  </a:rPr>
+                  <a:t>移动</a:t>
+                </a:r>
+                <a:r>
+                  <a:rPr lang="zh-CN" altLang="en-US" sz="2000" b="1">
+                    <a:latin typeface="Lucida Console" panose="020B0609040504020204" charset="0"/>
+                    <a:cs typeface="Lucida Console" panose="020B0609040504020204" charset="0"/>
+                  </a:rPr>
+                  <a:t>应用</a:t>
+                </a:r>
+                <a:endParaRPr lang="zh-CN" altLang="en-US" sz="2000" b="1">
+                  <a:latin typeface="Lucida Console" panose="020B0609040504020204" charset="0"/>
+                  <a:cs typeface="Lucida Console" panose="020B0609040504020204" charset="0"/>
+                </a:endParaRPr>
+              </a:p>
+            </p:txBody>
+          </p:sp>
+        </p:grpSp>
+        <p:grpSp>
+          <p:nvGrpSpPr>
+            <p:cNvPr id="3" name="组合 2"/>
+            <p:cNvGrpSpPr/>
+            <p:nvPr/>
+          </p:nvGrpSpPr>
+          <p:grpSpPr>
+            <a:xfrm>
+              <a:off x="12374" y="1198"/>
+              <a:ext cx="3012" cy="4951"/>
+              <a:chOff x="12374" y="1198"/>
+              <a:chExt cx="3012" cy="4951"/>
+            </a:xfrm>
+          </p:grpSpPr>
+          <p:grpSp>
+            <p:nvGrpSpPr>
+              <p:cNvPr id="33" name="组合 32"/>
+              <p:cNvGrpSpPr/>
+              <p:nvPr/>
+            </p:nvGrpSpPr>
+            <p:grpSpPr>
+              <a:xfrm>
+                <a:off x="12790" y="3839"/>
+                <a:ext cx="2372" cy="2310"/>
+                <a:chOff x="12104" y="3454"/>
+                <a:chExt cx="2372" cy="2310"/>
+              </a:xfrm>
+            </p:grpSpPr>
+            <p:grpSp>
+              <p:nvGrpSpPr>
+                <p:cNvPr id="19" name="组合 18"/>
+                <p:cNvGrpSpPr/>
+                <p:nvPr/>
+              </p:nvGrpSpPr>
+              <p:grpSpPr>
+                <a:xfrm rot="0">
+                  <a:off x="12225" y="4236"/>
+                  <a:ext cx="2101" cy="1529"/>
+                  <a:chOff x="3630" y="2665"/>
+                  <a:chExt cx="3576" cy="2726"/>
+                </a:xfrm>
+              </p:grpSpPr>
+              <p:sp>
+                <p:nvSpPr>
+                  <p:cNvPr id="20" name="圆角矩形 19"/>
+                  <p:cNvSpPr/>
+                  <p:nvPr/>
+                </p:nvSpPr>
+                <p:spPr>
+                  <a:xfrm>
+                    <a:off x="3630" y="4905"/>
+                    <a:ext cx="3577" cy="486"/>
+                  </a:xfrm>
+                  <a:prstGeom prst="roundRect">
+                    <a:avLst/>
+                  </a:prstGeom>
+                </p:spPr>
+                <p:style>
+                  <a:lnRef idx="2">
+                    <a:schemeClr val="accent2">
+                      <a:shade val="50000"/>
+                    </a:schemeClr>
+                  </a:lnRef>
+                  <a:fillRef idx="1">
+                    <a:schemeClr val="accent2"/>
+                  </a:fillRef>
+                  <a:effectRef idx="0">
+                    <a:schemeClr val="accent2"/>
+                  </a:effectRef>
+                  <a:fontRef idx="minor">
+                    <a:schemeClr val="lt1"/>
+                  </a:fontRef>
+                </p:style>
+                <p:txBody>
+                  <a:bodyPr rtlCol="0" anchor="ctr"/>
+                  <a:p>
+                    <a:pPr algn="ctr"/>
+                    <a:endParaRPr lang="zh-CN" altLang="en-US"/>
+                  </a:p>
+                </p:txBody>
+              </p:sp>
+              <p:sp>
+                <p:nvSpPr>
+                  <p:cNvPr id="21" name="圆角矩形 20"/>
+                  <p:cNvSpPr/>
+                  <p:nvPr/>
+                </p:nvSpPr>
+                <p:spPr>
+                  <a:xfrm>
+                    <a:off x="4220" y="2665"/>
+                    <a:ext cx="2379" cy="1667"/>
+                  </a:xfrm>
+                  <a:prstGeom prst="roundRect">
+                    <a:avLst/>
+                  </a:prstGeom>
+                </p:spPr>
+                <p:style>
+                  <a:lnRef idx="2">
+                    <a:schemeClr val="accent2">
+                      <a:shade val="50000"/>
+                    </a:schemeClr>
+                  </a:lnRef>
+                  <a:fillRef idx="1">
+                    <a:schemeClr val="accent2"/>
+                  </a:fillRef>
+                  <a:effectRef idx="0">
+                    <a:schemeClr val="accent2"/>
+                  </a:effectRef>
+                  <a:fontRef idx="minor">
+                    <a:schemeClr val="lt1"/>
+                  </a:fontRef>
+                </p:style>
+                <p:txBody>
+                  <a:bodyPr rtlCol="0" anchor="ctr"/>
+                  <a:p>
+                    <a:pPr algn="ctr"/>
+                    <a:r>
+                      <a:rPr lang="en-US" altLang="zh-CN"/>
+                      <a:t>PC</a:t>
+                    </a:r>
+                    <a:endParaRPr lang="en-US" altLang="zh-CN"/>
+                  </a:p>
+                </p:txBody>
+              </p:sp>
+              <p:sp>
+                <p:nvSpPr>
+                  <p:cNvPr id="22" name="矩形 21"/>
+                  <p:cNvSpPr/>
+                  <p:nvPr/>
+                </p:nvSpPr>
+                <p:spPr>
+                  <a:xfrm>
+                    <a:off x="5158" y="4349"/>
+                    <a:ext cx="495" cy="530"/>
+                  </a:xfrm>
+                  <a:prstGeom prst="rect">
+                    <a:avLst/>
+                  </a:prstGeom>
+                </p:spPr>
+                <p:style>
+                  <a:lnRef idx="2">
+                    <a:schemeClr val="accent2">
+                      <a:shade val="50000"/>
+                    </a:schemeClr>
+                  </a:lnRef>
+                  <a:fillRef idx="1">
+                    <a:schemeClr val="accent2"/>
+                  </a:fillRef>
+                  <a:effectRef idx="0">
+                    <a:schemeClr val="accent2"/>
+                  </a:effectRef>
+                  <a:fontRef idx="minor">
+                    <a:schemeClr val="lt1"/>
+                  </a:fontRef>
+                </p:style>
+                <p:txBody>
+                  <a:bodyPr rtlCol="0" anchor="ctr"/>
+                  <a:p>
+                    <a:pPr algn="ctr"/>
+                    <a:endParaRPr lang="zh-CN" altLang="en-US"/>
+                  </a:p>
+                </p:txBody>
+              </p:sp>
+            </p:grpSp>
+            <p:sp>
+              <p:nvSpPr>
+                <p:cNvPr id="28" name="文本框 27"/>
+                <p:cNvSpPr txBox="1"/>
+                <p:nvPr/>
+              </p:nvSpPr>
+              <p:spPr>
+                <a:xfrm>
+                  <a:off x="12104" y="3454"/>
+                  <a:ext cx="2372" cy="628"/>
+                </a:xfrm>
+                <a:prstGeom prst="rect">
+                  <a:avLst/>
+                </a:prstGeom>
+                <a:noFill/>
+              </p:spPr>
+              <p:txBody>
+                <a:bodyPr wrap="none" rtlCol="0">
+                  <a:spAutoFit/>
+                </a:bodyPr>
+                <a:p>
+                  <a:r>
+                    <a:rPr lang="en-US" altLang="zh-CN" sz="2000" b="1">
+                      <a:latin typeface="Lucida Console" panose="020B0609040504020204" charset="0"/>
+                      <a:cs typeface="Lucida Console" panose="020B0609040504020204" charset="0"/>
+                    </a:rPr>
+                    <a:t>PC</a:t>
+                  </a:r>
+                  <a:r>
+                    <a:rPr lang="zh-CN" altLang="en-US" sz="2000" b="1">
+                      <a:latin typeface="Lucida Console" panose="020B0609040504020204" charset="0"/>
+                      <a:cs typeface="Lucida Console" panose="020B0609040504020204" charset="0"/>
+                    </a:rPr>
+                    <a:t>桌面应用</a:t>
+                  </a:r>
+                  <a:endParaRPr lang="zh-CN" altLang="en-US" sz="2000" b="1">
+                    <a:latin typeface="Lucida Console" panose="020B0609040504020204" charset="0"/>
+                    <a:cs typeface="Lucida Console" panose="020B0609040504020204" charset="0"/>
+                  </a:endParaRPr>
+                </a:p>
+              </p:txBody>
+            </p:sp>
+          </p:grpSp>
+          <p:grpSp>
+            <p:nvGrpSpPr>
+              <p:cNvPr id="38" name="组合 37"/>
+              <p:cNvGrpSpPr/>
+              <p:nvPr/>
+            </p:nvGrpSpPr>
+            <p:grpSpPr>
+              <a:xfrm>
+                <a:off x="12374" y="1198"/>
+                <a:ext cx="3012" cy="2414"/>
+                <a:chOff x="11757" y="1431"/>
+                <a:chExt cx="3012" cy="2414"/>
+              </a:xfrm>
+            </p:grpSpPr>
+            <p:grpSp>
+              <p:nvGrpSpPr>
+                <p:cNvPr id="36" name="组合 35"/>
+                <p:cNvGrpSpPr/>
+                <p:nvPr/>
+              </p:nvGrpSpPr>
+              <p:grpSpPr>
+                <a:xfrm>
+                  <a:off x="11757" y="2187"/>
+                  <a:ext cx="3012" cy="1658"/>
+                  <a:chOff x="11965" y="1458"/>
+                  <a:chExt cx="3012" cy="1658"/>
+                </a:xfrm>
+              </p:grpSpPr>
+              <p:sp>
+                <p:nvSpPr>
+                  <p:cNvPr id="34" name="图文框 33"/>
+                  <p:cNvSpPr/>
+                  <p:nvPr/>
+                </p:nvSpPr>
+                <p:spPr>
+                  <a:xfrm>
+                    <a:off x="11965" y="1458"/>
+                    <a:ext cx="3012" cy="1659"/>
+                  </a:xfrm>
+                  <a:prstGeom prst="frame">
+                    <a:avLst/>
+                  </a:prstGeom>
+                </p:spPr>
+                <p:style>
+                  <a:lnRef idx="2">
+                    <a:schemeClr val="accent2">
+                      <a:shade val="50000"/>
+                    </a:schemeClr>
+                  </a:lnRef>
+                  <a:fillRef idx="1">
+                    <a:schemeClr val="accent2"/>
+                  </a:fillRef>
+                  <a:effectRef idx="0">
+                    <a:schemeClr val="accent2"/>
+                  </a:effectRef>
+                  <a:fontRef idx="minor">
+                    <a:schemeClr val="lt1"/>
+                  </a:fontRef>
+                </p:style>
+                <p:txBody>
+                  <a:bodyPr rtlCol="0" anchor="ctr"/>
+                  <a:p>
+                    <a:pPr algn="ctr"/>
+                    <a:endParaRPr lang="zh-CN" altLang="en-US">
+                      <a:solidFill>
+                        <a:schemeClr val="tx1"/>
+                      </a:solidFill>
+                    </a:endParaRPr>
+                  </a:p>
+                </p:txBody>
+              </p:sp>
+              <p:sp>
+                <p:nvSpPr>
+                  <p:cNvPr id="35" name="文本框 34"/>
+                  <p:cNvSpPr txBox="1"/>
+                  <p:nvPr/>
+                </p:nvSpPr>
+                <p:spPr>
+                  <a:xfrm>
+                    <a:off x="12217" y="1910"/>
+                    <a:ext cx="2508" cy="725"/>
+                  </a:xfrm>
+                  <a:prstGeom prst="rect">
+                    <a:avLst/>
+                  </a:prstGeom>
+                  <a:noFill/>
+                </p:spPr>
+                <p:txBody>
+                  <a:bodyPr wrap="none" rtlCol="0">
+                    <a:spAutoFit/>
+                  </a:bodyPr>
+                  <a:p>
+                    <a:r>
+                      <a:rPr lang="en-US" altLang="zh-CN" sz="2400" b="1">
+                        <a:latin typeface="Lucida Console" panose="020B0609040504020204" charset="0"/>
+                        <a:cs typeface="Lucida Console" panose="020B0609040504020204" charset="0"/>
+                      </a:rPr>
+                      <a:t>HTTP</a:t>
+                    </a:r>
+                    <a:r>
+                      <a:rPr lang="zh-CN" altLang="en-US" sz="2400" b="1">
+                        <a:latin typeface="Lucida Console" panose="020B0609040504020204" charset="0"/>
+                        <a:cs typeface="Lucida Console" panose="020B0609040504020204" charset="0"/>
+                      </a:rPr>
+                      <a:t>：</a:t>
+                    </a:r>
+                    <a:r>
+                      <a:rPr lang="en-US" altLang="zh-CN" sz="2400" b="1">
+                        <a:latin typeface="Lucida Console" panose="020B0609040504020204" charset="0"/>
+                        <a:cs typeface="Lucida Console" panose="020B0609040504020204" charset="0"/>
+                      </a:rPr>
+                      <a:t>//</a:t>
+                    </a:r>
+                    <a:endParaRPr lang="en-US" altLang="zh-CN" sz="2400" b="1">
+                      <a:latin typeface="Lucida Console" panose="020B0609040504020204" charset="0"/>
+                      <a:cs typeface="Lucida Console" panose="020B0609040504020204" charset="0"/>
+                    </a:endParaRPr>
+                  </a:p>
+                </p:txBody>
+              </p:sp>
+            </p:grpSp>
+            <p:sp>
+              <p:nvSpPr>
+                <p:cNvPr id="37" name="文本框 36"/>
+                <p:cNvSpPr txBox="1"/>
+                <p:nvPr/>
+              </p:nvSpPr>
+              <p:spPr>
+                <a:xfrm>
+                  <a:off x="12068" y="1431"/>
+                  <a:ext cx="2604" cy="628"/>
+                </a:xfrm>
+                <a:prstGeom prst="rect">
+                  <a:avLst/>
+                </a:prstGeom>
+                <a:noFill/>
+              </p:spPr>
+              <p:txBody>
+                <a:bodyPr wrap="square" rtlCol="0">
+                  <a:spAutoFit/>
+                </a:bodyPr>
+                <a:p>
+                  <a:r>
+                    <a:rPr lang="en-US" altLang="zh-CN" sz="2000" b="1">
+                      <a:latin typeface="Lucida Console" panose="020B0609040504020204" charset="0"/>
+                      <a:cs typeface="Lucida Console" panose="020B0609040504020204" charset="0"/>
+                    </a:rPr>
+                    <a:t>WEB</a:t>
+                  </a:r>
+                  <a:r>
+                    <a:rPr lang="zh-CN" altLang="en-US" sz="2000" b="1">
+                      <a:latin typeface="Lucida Console" panose="020B0609040504020204" charset="0"/>
+                      <a:cs typeface="Lucida Console" panose="020B0609040504020204" charset="0"/>
+                    </a:rPr>
+                    <a:t>浏览器</a:t>
+                  </a:r>
+                  <a:endParaRPr lang="zh-CN" altLang="en-US" sz="2000" b="1">
+                    <a:latin typeface="Lucida Console" panose="020B0609040504020204" charset="0"/>
+                    <a:cs typeface="Lucida Console" panose="020B0609040504020204" charset="0"/>
+                  </a:endParaRPr>
+                </a:p>
+              </p:txBody>
+            </p:sp>
+          </p:grpSp>
+        </p:grpSp>
+      </p:grpSp>
+      <p:grpSp>
+        <p:nvGrpSpPr>
+          <p:cNvPr id="2" name="组合 1"/>
+          <p:cNvGrpSpPr/>
+          <p:nvPr/>
+        </p:nvGrpSpPr>
+        <p:grpSpPr>
+          <a:xfrm>
+            <a:off x="5284470" y="961390"/>
+            <a:ext cx="3952875" cy="1551940"/>
+            <a:chOff x="6252" y="1631"/>
+            <a:chExt cx="6225" cy="2444"/>
+          </a:xfrm>
+        </p:grpSpPr>
+        <p:sp>
+          <p:nvSpPr>
+            <p:cNvPr id="23" name="文本框 22"/>
+            <p:cNvSpPr txBox="1"/>
+            <p:nvPr/>
+          </p:nvSpPr>
+          <p:spPr>
+            <a:xfrm>
+              <a:off x="6252" y="1770"/>
+              <a:ext cx="2604" cy="725"/>
+            </a:xfrm>
+            <a:prstGeom prst="rect">
+              <a:avLst/>
+            </a:prstGeom>
+            <a:noFill/>
+          </p:spPr>
+          <p:txBody>
+            <a:bodyPr wrap="square" rtlCol="0">
+              <a:spAutoFit/>
+            </a:bodyPr>
+            <a:p>
+              <a:r>
+                <a:rPr lang="en-US" altLang="zh-CN" sz="2400" b="1">
+                  <a:latin typeface="Lucida Console" panose="020B0609040504020204" charset="0"/>
+                  <a:cs typeface="Lucida Console" panose="020B0609040504020204" charset="0"/>
+                </a:rPr>
+                <a:t>HOSTER</a:t>
+              </a:r>
+              <a:endParaRPr lang="en-US" altLang="zh-CN" sz="2400" b="1">
+                <a:latin typeface="Lucida Console" panose="020B0609040504020204" charset="0"/>
+                <a:cs typeface="Lucida Console" panose="020B0609040504020204" charset="0"/>
+              </a:endParaRPr>
+            </a:p>
+          </p:txBody>
+        </p:sp>
+        <p:sp>
+          <p:nvSpPr>
+            <p:cNvPr id="26" name="文本框 25"/>
+            <p:cNvSpPr txBox="1"/>
+            <p:nvPr/>
+          </p:nvSpPr>
+          <p:spPr>
+            <a:xfrm>
+              <a:off x="9873" y="1795"/>
+              <a:ext cx="2604" cy="725"/>
+            </a:xfrm>
+            <a:prstGeom prst="rect">
+              <a:avLst/>
+            </a:prstGeom>
+            <a:noFill/>
+          </p:spPr>
+          <p:txBody>
+            <a:bodyPr wrap="square" rtlCol="0">
+              <a:spAutoFit/>
+            </a:bodyPr>
+            <a:p>
+              <a:r>
+                <a:rPr lang="en-US" altLang="zh-CN" sz="2400" b="1">
+                  <a:latin typeface="Lucida Console" panose="020B0609040504020204" charset="0"/>
+                  <a:cs typeface="Lucida Console" panose="020B0609040504020204" charset="0"/>
+                </a:rPr>
+                <a:t>CLIENT</a:t>
+              </a:r>
+              <a:endParaRPr lang="en-US" altLang="zh-CN" sz="2400" b="1">
+                <a:latin typeface="Lucida Console" panose="020B0609040504020204" charset="0"/>
+                <a:cs typeface="Lucida Console" panose="020B0609040504020204" charset="0"/>
+              </a:endParaRPr>
+            </a:p>
+          </p:txBody>
+        </p:sp>
+        <p:sp>
+          <p:nvSpPr>
+            <p:cNvPr id="40" name="闪电形 39"/>
             <p:cNvSpPr/>
             <p:nvPr/>
           </p:nvSpPr>
           <p:spPr>
-            <a:xfrm>
-              <a:off x="3804" y="8134"/>
-              <a:ext cx="2040" cy="1415"/>
+            <a:xfrm rot="16980000">
+              <a:off x="8103" y="548"/>
+              <a:ext cx="2074" cy="4981"/>
             </a:xfrm>
-            <a:prstGeom prst="upArrowCallout">
+            <a:prstGeom prst="lightningBolt">
               <a:avLst/>
             </a:prstGeom>
           </p:spPr>
@@ -5009,327 +5786,20 @@
             <a:bodyPr rtlCol="0" anchor="ctr"/>
             <a:p>
               <a:pPr algn="ctr"/>
-              <a:r>
-                <a:rPr lang="en-US" altLang="zh-CN"/>
-                <a:t>RFID</a:t>
-              </a:r>
-              <a:endParaRPr lang="en-US" altLang="zh-CN"/>
-            </a:p>
-            <a:p>
-              <a:pPr algn="ctr"/>
-              <a:r>
-                <a:rPr lang="zh-CN" altLang="en-US"/>
-                <a:t>读卡器</a:t>
-              </a:r>
               <a:endParaRPr lang="zh-CN" altLang="en-US"/>
             </a:p>
           </p:txBody>
         </p:sp>
-      </p:grpSp>
-      <p:sp>
-        <p:nvSpPr>
-          <p:cNvPr id="16" name="闪电形 15"/>
-          <p:cNvSpPr/>
-          <p:nvPr/>
-        </p:nvSpPr>
-        <p:spPr>
-          <a:xfrm rot="17160000">
-            <a:off x="4102100" y="4453890"/>
-            <a:ext cx="474345" cy="948055"/>
-          </a:xfrm>
-          <a:prstGeom prst="lightningBolt">
-            <a:avLst/>
-          </a:prstGeom>
-        </p:spPr>
-        <p:style>
-          <a:lnRef idx="2">
-            <a:schemeClr val="accent1">
-              <a:shade val="50000"/>
-            </a:schemeClr>
-          </a:lnRef>
-          <a:fillRef idx="1">
-            <a:schemeClr val="accent1"/>
-          </a:fillRef>
-          <a:effectRef idx="0">
-            <a:schemeClr val="accent1"/>
-          </a:effectRef>
-          <a:fontRef idx="minor">
-            <a:schemeClr val="lt1"/>
-          </a:fontRef>
-        </p:style>
-        <p:txBody>
-          <a:bodyPr rtlCol="0" anchor="ctr"/>
-          <a:p>
-            <a:pPr algn="ctr"/>
-            <a:endParaRPr lang="zh-CN" altLang="en-US"/>
-          </a:p>
-        </p:txBody>
-      </p:sp>
-      <p:sp>
-        <p:nvSpPr>
-          <p:cNvPr id="17" name="文本框 16"/>
-          <p:cNvSpPr txBox="1"/>
-          <p:nvPr/>
-        </p:nvSpPr>
-        <p:spPr>
-          <a:xfrm>
-            <a:off x="4030345" y="4299585"/>
-            <a:ext cx="921385" cy="460375"/>
-          </a:xfrm>
-          <a:prstGeom prst="rect">
-            <a:avLst/>
-          </a:prstGeom>
-          <a:noFill/>
-        </p:spPr>
-        <p:txBody>
-          <a:bodyPr wrap="square" rtlCol="0">
-            <a:spAutoFit/>
-          </a:bodyPr>
-          <a:p>
-            <a:r>
-              <a:rPr lang="en-US" altLang="zh-CN" sz="2400" b="1">
-                <a:latin typeface="Lucida Console" panose="020B0609040504020204" charset="0"/>
-                <a:cs typeface="Lucida Console" panose="020B0609040504020204" charset="0"/>
-              </a:rPr>
-              <a:t>5CM</a:t>
-            </a:r>
-            <a:endParaRPr lang="en-US" altLang="zh-CN" sz="2400" b="1">
-              <a:latin typeface="Lucida Console" panose="020B0609040504020204" charset="0"/>
-              <a:cs typeface="Lucida Console" panose="020B0609040504020204" charset="0"/>
-            </a:endParaRPr>
-          </a:p>
-        </p:txBody>
-      </p:sp>
-      <p:sp>
-        <p:nvSpPr>
-          <p:cNvPr id="23" name="文本框 22"/>
-          <p:cNvSpPr txBox="1"/>
-          <p:nvPr/>
-        </p:nvSpPr>
-        <p:spPr>
-          <a:xfrm>
-            <a:off x="3970020" y="1123950"/>
-            <a:ext cx="1653540" cy="460375"/>
-          </a:xfrm>
-          <a:prstGeom prst="rect">
-            <a:avLst/>
-          </a:prstGeom>
-          <a:noFill/>
-        </p:spPr>
-        <p:txBody>
-          <a:bodyPr wrap="square" rtlCol="0">
-            <a:spAutoFit/>
-          </a:bodyPr>
-          <a:p>
-            <a:r>
-              <a:rPr lang="en-US" altLang="zh-CN" sz="2400" b="1">
-                <a:latin typeface="Lucida Console" panose="020B0609040504020204" charset="0"/>
-                <a:cs typeface="Lucida Console" panose="020B0609040504020204" charset="0"/>
-              </a:rPr>
-              <a:t>HOSTER</a:t>
-            </a:r>
-            <a:endParaRPr lang="en-US" altLang="zh-CN" sz="2400" b="1">
-              <a:latin typeface="Lucida Console" panose="020B0609040504020204" charset="0"/>
-              <a:cs typeface="Lucida Console" panose="020B0609040504020204" charset="0"/>
-            </a:endParaRPr>
-          </a:p>
-        </p:txBody>
-      </p:sp>
-      <p:sp>
-        <p:nvSpPr>
-          <p:cNvPr id="26" name="文本框 25"/>
-          <p:cNvSpPr txBox="1"/>
-          <p:nvPr/>
-        </p:nvSpPr>
-        <p:spPr>
-          <a:xfrm>
-            <a:off x="6269355" y="1139825"/>
-            <a:ext cx="1653540" cy="460375"/>
-          </a:xfrm>
-          <a:prstGeom prst="rect">
-            <a:avLst/>
-          </a:prstGeom>
-          <a:noFill/>
-        </p:spPr>
-        <p:txBody>
-          <a:bodyPr wrap="square" rtlCol="0">
-            <a:spAutoFit/>
-          </a:bodyPr>
-          <a:p>
-            <a:r>
-              <a:rPr lang="en-US" altLang="zh-CN" sz="2400" b="1">
-                <a:latin typeface="Lucida Console" panose="020B0609040504020204" charset="0"/>
-                <a:cs typeface="Lucida Console" panose="020B0609040504020204" charset="0"/>
-              </a:rPr>
-              <a:t>CLIENT</a:t>
-            </a:r>
-            <a:endParaRPr lang="en-US" altLang="zh-CN" sz="2400" b="1">
-              <a:latin typeface="Lucida Console" panose="020B0609040504020204" charset="0"/>
-              <a:cs typeface="Lucida Console" panose="020B0609040504020204" charset="0"/>
-            </a:endParaRPr>
-          </a:p>
-        </p:txBody>
-      </p:sp>
-      <p:grpSp>
-        <p:nvGrpSpPr>
-          <p:cNvPr id="33" name="组合 32"/>
-          <p:cNvGrpSpPr/>
-          <p:nvPr/>
-        </p:nvGrpSpPr>
-        <p:grpSpPr>
-          <a:xfrm>
-            <a:off x="8121650" y="2437765"/>
-            <a:ext cx="1506220" cy="1466850"/>
-            <a:chOff x="12104" y="3454"/>
-            <a:chExt cx="2372" cy="2310"/>
-          </a:xfrm>
-        </p:grpSpPr>
-        <p:grpSp>
-          <p:nvGrpSpPr>
-            <p:cNvPr id="19" name="组合 18"/>
-            <p:cNvGrpSpPr/>
-            <p:nvPr/>
-          </p:nvGrpSpPr>
-          <p:grpSpPr>
-            <a:xfrm rot="0">
-              <a:off x="12225" y="4236"/>
-              <a:ext cx="2101" cy="1529"/>
-              <a:chOff x="3630" y="2665"/>
-              <a:chExt cx="3576" cy="2726"/>
-            </a:xfrm>
-          </p:grpSpPr>
-          <p:sp>
-            <p:nvSpPr>
-              <p:cNvPr id="20" name="圆角矩形 19"/>
-              <p:cNvSpPr/>
-              <p:nvPr/>
-            </p:nvSpPr>
-            <p:spPr>
-              <a:xfrm>
-                <a:off x="3630" y="4905"/>
-                <a:ext cx="3577" cy="486"/>
-              </a:xfrm>
-              <a:prstGeom prst="roundRect">
-                <a:avLst/>
-              </a:prstGeom>
-            </p:spPr>
-            <p:style>
-              <a:lnRef idx="2">
-                <a:schemeClr val="accent2">
-                  <a:shade val="50000"/>
-                </a:schemeClr>
-              </a:lnRef>
-              <a:fillRef idx="1">
-                <a:schemeClr val="accent2"/>
-              </a:fillRef>
-              <a:effectRef idx="0">
-                <a:schemeClr val="accent2"/>
-              </a:effectRef>
-              <a:fontRef idx="minor">
-                <a:schemeClr val="lt1"/>
-              </a:fontRef>
-            </p:style>
-            <p:txBody>
-              <a:bodyPr rtlCol="0" anchor="ctr"/>
-              <a:p>
-                <a:pPr algn="ctr"/>
-                <a:endParaRPr lang="zh-CN" altLang="en-US"/>
-              </a:p>
-            </p:txBody>
-          </p:sp>
-          <p:sp>
-            <p:nvSpPr>
-              <p:cNvPr id="21" name="圆角矩形 20"/>
-              <p:cNvSpPr/>
-              <p:nvPr/>
-            </p:nvSpPr>
-            <p:spPr>
-              <a:xfrm>
-                <a:off x="4220" y="2665"/>
-                <a:ext cx="2379" cy="1667"/>
-              </a:xfrm>
-              <a:prstGeom prst="roundRect">
-                <a:avLst/>
-              </a:prstGeom>
-            </p:spPr>
-            <p:style>
-              <a:lnRef idx="2">
-                <a:schemeClr val="accent2">
-                  <a:shade val="50000"/>
-                </a:schemeClr>
-              </a:lnRef>
-              <a:fillRef idx="1">
-                <a:schemeClr val="accent2"/>
-              </a:fillRef>
-              <a:effectRef idx="0">
-                <a:schemeClr val="accent2"/>
-              </a:effectRef>
-              <a:fontRef idx="minor">
-                <a:schemeClr val="lt1"/>
-              </a:fontRef>
-            </p:style>
-            <p:txBody>
-              <a:bodyPr rtlCol="0" anchor="ctr"/>
-              <a:p>
-                <a:pPr algn="ctr"/>
-                <a:r>
-                  <a:rPr lang="en-US" altLang="zh-CN"/>
-                  <a:t>PC</a:t>
-                </a:r>
-                <a:endParaRPr lang="en-US" altLang="zh-CN"/>
-              </a:p>
-            </p:txBody>
-          </p:sp>
-          <p:sp>
-            <p:nvSpPr>
-              <p:cNvPr id="22" name="矩形 21"/>
-              <p:cNvSpPr/>
-              <p:nvPr/>
-            </p:nvSpPr>
-            <p:spPr>
-              <a:xfrm>
-                <a:off x="5158" y="4349"/>
-                <a:ext cx="495" cy="530"/>
-              </a:xfrm>
-              <a:prstGeom prst="rect">
-                <a:avLst/>
-              </a:prstGeom>
-            </p:spPr>
-            <p:style>
-              <a:lnRef idx="2">
-                <a:schemeClr val="accent2">
-                  <a:shade val="50000"/>
-                </a:schemeClr>
-              </a:lnRef>
-              <a:fillRef idx="1">
-                <a:schemeClr val="accent2"/>
-              </a:fillRef>
-              <a:effectRef idx="0">
-                <a:schemeClr val="accent2"/>
-              </a:effectRef>
-              <a:fontRef idx="minor">
-                <a:schemeClr val="lt1"/>
-              </a:fontRef>
-            </p:style>
-            <p:txBody>
-              <a:bodyPr rtlCol="0" anchor="ctr"/>
-              <a:p>
-                <a:pPr algn="ctr"/>
-                <a:endParaRPr lang="zh-CN" altLang="en-US"/>
-              </a:p>
-            </p:txBody>
-          </p:sp>
-        </p:grpSp>
         <p:sp>
           <p:nvSpPr>
-            <p:cNvPr id="28" name="文本框 27"/>
+            <p:cNvPr id="41" name="文本框 40"/>
             <p:cNvSpPr txBox="1"/>
             <p:nvPr/>
           </p:nvSpPr>
           <p:spPr>
             <a:xfrm>
-              <a:off x="12104" y="3454"/>
-              <a:ext cx="2372" cy="628"/>
+              <a:off x="8552" y="1631"/>
+              <a:ext cx="1014" cy="628"/>
             </a:xfrm>
             <a:prstGeom prst="rect">
               <a:avLst/>
@@ -5346,16 +5816,9 @@
                   <a:latin typeface="Lucida Console" panose="020B0609040504020204" charset="0"/>
                   <a:cs typeface="Lucida Console" panose="020B0609040504020204" charset="0"/>
                 </a:rPr>
-                <a:t>PC</a:t>
+                <a:t>TCP</a:t>
               </a:r>
-              <a:r>
-                <a:rPr lang="zh-CN" altLang="en-US" sz="2000" b="1">
-                  <a:latin typeface="Lucida Console" panose="020B0609040504020204" charset="0"/>
-                  <a:cs typeface="Lucida Console" panose="020B0609040504020204" charset="0"/>
-                </a:rPr>
-                <a:t>桌面应用</a:t>
-              </a:r>
-              <a:endParaRPr lang="zh-CN" altLang="en-US" sz="2000" b="1">
+              <a:endParaRPr lang="en-US" altLang="zh-CN" sz="2000" b="1">
                 <a:latin typeface="Lucida Console" panose="020B0609040504020204" charset="0"/>
                 <a:cs typeface="Lucida Console" panose="020B0609040504020204" charset="0"/>
               </a:endParaRPr>
@@ -5363,364 +5826,44 @@
           </p:txBody>
         </p:sp>
       </p:grpSp>
-      <p:grpSp>
-        <p:nvGrpSpPr>
-          <p:cNvPr id="31" name="组合 30"/>
-          <p:cNvGrpSpPr/>
-          <p:nvPr/>
-        </p:nvGrpSpPr>
-        <p:grpSpPr>
-          <a:xfrm>
-            <a:off x="7696835" y="3953510"/>
-            <a:ext cx="2274570" cy="1701165"/>
-            <a:chOff x="11461" y="6520"/>
-            <a:chExt cx="3582" cy="2679"/>
-          </a:xfrm>
-        </p:grpSpPr>
-        <p:grpSp>
-          <p:nvGrpSpPr>
-            <p:cNvPr id="27" name="组合 26"/>
-            <p:cNvGrpSpPr/>
-            <p:nvPr/>
-          </p:nvGrpSpPr>
-          <p:grpSpPr>
-            <a:xfrm>
-              <a:off x="12660" y="7343"/>
-              <a:ext cx="1222" cy="1856"/>
-              <a:chOff x="13146" y="5998"/>
-              <a:chExt cx="1222" cy="1856"/>
-            </a:xfrm>
-          </p:grpSpPr>
-          <p:sp>
-            <p:nvSpPr>
-              <p:cNvPr id="24" name="矩形 23"/>
-              <p:cNvSpPr/>
-              <p:nvPr/>
-            </p:nvSpPr>
-            <p:spPr>
-              <a:xfrm>
-                <a:off x="13146" y="5998"/>
-                <a:ext cx="1223" cy="1857"/>
-              </a:xfrm>
-              <a:prstGeom prst="rect">
-                <a:avLst/>
-              </a:prstGeom>
-            </p:spPr>
-            <p:style>
-              <a:lnRef idx="2">
-                <a:schemeClr val="accent2">
-                  <a:shade val="50000"/>
-                </a:schemeClr>
-              </a:lnRef>
-              <a:fillRef idx="1">
-                <a:schemeClr val="accent2"/>
-              </a:fillRef>
-              <a:effectRef idx="0">
-                <a:schemeClr val="accent2"/>
-              </a:effectRef>
-              <a:fontRef idx="minor">
-                <a:schemeClr val="lt1"/>
-              </a:fontRef>
-            </p:style>
-            <p:txBody>
-              <a:bodyPr rtlCol="0" anchor="ctr"/>
-              <a:p>
-                <a:pPr algn="ctr"/>
-                <a:endParaRPr lang="zh-CN" altLang="en-US"/>
-              </a:p>
-            </p:txBody>
-          </p:sp>
-          <p:sp>
-            <p:nvSpPr>
-              <p:cNvPr id="25" name="矩形 24"/>
-              <p:cNvSpPr/>
-              <p:nvPr/>
-            </p:nvSpPr>
-            <p:spPr>
-              <a:xfrm>
-                <a:off x="13267" y="6084"/>
-                <a:ext cx="972" cy="1625"/>
-              </a:xfrm>
-              <a:prstGeom prst="rect">
-                <a:avLst/>
-              </a:prstGeom>
-              <a:noFill/>
-              <a:extLst>
-                <a:ext uri="{909E8E84-426E-40DD-AFC4-6F175D3DCCD1}">
-                  <a14:hiddenFill xmlns:a14="http://schemas.microsoft.com/office/drawing/2010/main">
-                    <a:solidFill>
-                      <a:schemeClr val="accent2"/>
-                    </a:solidFill>
-                  </a14:hiddenFill>
-                </a:ext>
-              </a:extLst>
-            </p:spPr>
-            <p:style>
-              <a:lnRef idx="2">
-                <a:schemeClr val="accent6"/>
-              </a:lnRef>
-              <a:fillRef idx="1">
-                <a:schemeClr val="lt1"/>
-              </a:fillRef>
-              <a:effectRef idx="0">
-                <a:schemeClr val="accent6"/>
-              </a:effectRef>
-              <a:fontRef idx="minor">
-                <a:schemeClr val="dk1"/>
-              </a:fontRef>
-            </p:style>
-            <p:txBody>
-              <a:bodyPr rtlCol="0" anchor="ctr"/>
-              <a:p>
-                <a:pPr algn="ctr"/>
-                <a:endParaRPr lang="zh-CN" altLang="en-US"/>
-              </a:p>
-            </p:txBody>
-          </p:sp>
-        </p:grpSp>
-        <p:sp>
-          <p:nvSpPr>
-            <p:cNvPr id="30" name="文本框 29"/>
-            <p:cNvSpPr txBox="1"/>
-            <p:nvPr/>
-          </p:nvSpPr>
-          <p:spPr>
-            <a:xfrm>
-              <a:off x="11461" y="6520"/>
-              <a:ext cx="3582" cy="628"/>
-            </a:xfrm>
-            <a:prstGeom prst="rect">
-              <a:avLst/>
-            </a:prstGeom>
-            <a:noFill/>
-          </p:spPr>
-          <p:txBody>
-            <a:bodyPr wrap="none" rtlCol="0">
-              <a:spAutoFit/>
-            </a:bodyPr>
-            <a:p>
-              <a:r>
-                <a:rPr lang="en-US" altLang="zh-CN" sz="2000" b="1">
-                  <a:latin typeface="Lucida Console" panose="020B0609040504020204" charset="0"/>
-                  <a:cs typeface="Lucida Console" panose="020B0609040504020204" charset="0"/>
-                </a:rPr>
-                <a:t>ANDROID</a:t>
-              </a:r>
-              <a:r>
-                <a:rPr lang="zh-CN" altLang="en-US" sz="2000" b="1">
-                  <a:latin typeface="Lucida Console" panose="020B0609040504020204" charset="0"/>
-                  <a:cs typeface="Lucida Console" panose="020B0609040504020204" charset="0"/>
-                </a:rPr>
-                <a:t>移动</a:t>
-              </a:r>
-              <a:r>
-                <a:rPr lang="zh-CN" altLang="en-US" sz="2000" b="1">
-                  <a:latin typeface="Lucida Console" panose="020B0609040504020204" charset="0"/>
-                  <a:cs typeface="Lucida Console" panose="020B0609040504020204" charset="0"/>
-                </a:rPr>
-                <a:t>应用</a:t>
-              </a:r>
-              <a:endParaRPr lang="zh-CN" altLang="en-US" sz="2000" b="1">
-                <a:latin typeface="Lucida Console" panose="020B0609040504020204" charset="0"/>
-                <a:cs typeface="Lucida Console" panose="020B0609040504020204" charset="0"/>
-              </a:endParaRPr>
-            </a:p>
-          </p:txBody>
-        </p:sp>
-      </p:grpSp>
-      <p:grpSp>
-        <p:nvGrpSpPr>
-          <p:cNvPr id="38" name="组合 37"/>
-          <p:cNvGrpSpPr/>
-          <p:nvPr/>
-        </p:nvGrpSpPr>
-        <p:grpSpPr>
-          <a:xfrm>
-            <a:off x="7857490" y="760730"/>
-            <a:ext cx="1912620" cy="1532890"/>
-            <a:chOff x="11757" y="1431"/>
-            <a:chExt cx="3012" cy="2414"/>
-          </a:xfrm>
-        </p:grpSpPr>
-        <p:grpSp>
-          <p:nvGrpSpPr>
-            <p:cNvPr id="36" name="组合 35"/>
-            <p:cNvGrpSpPr/>
-            <p:nvPr/>
-          </p:nvGrpSpPr>
-          <p:grpSpPr>
-            <a:xfrm>
-              <a:off x="11757" y="2187"/>
-              <a:ext cx="3012" cy="1658"/>
-              <a:chOff x="11965" y="1458"/>
-              <a:chExt cx="3012" cy="1658"/>
-            </a:xfrm>
-          </p:grpSpPr>
-          <p:sp>
-            <p:nvSpPr>
-              <p:cNvPr id="34" name="图文框 33"/>
-              <p:cNvSpPr/>
-              <p:nvPr/>
-            </p:nvSpPr>
-            <p:spPr>
-              <a:xfrm>
-                <a:off x="11965" y="1458"/>
-                <a:ext cx="3012" cy="1659"/>
-              </a:xfrm>
-              <a:prstGeom prst="frame">
-                <a:avLst/>
-              </a:prstGeom>
-            </p:spPr>
-            <p:style>
-              <a:lnRef idx="2">
-                <a:schemeClr val="accent2">
-                  <a:shade val="50000"/>
-                </a:schemeClr>
-              </a:lnRef>
-              <a:fillRef idx="1">
-                <a:schemeClr val="accent2"/>
-              </a:fillRef>
-              <a:effectRef idx="0">
-                <a:schemeClr val="accent2"/>
-              </a:effectRef>
-              <a:fontRef idx="minor">
-                <a:schemeClr val="lt1"/>
-              </a:fontRef>
-            </p:style>
-            <p:txBody>
-              <a:bodyPr rtlCol="0" anchor="ctr"/>
-              <a:p>
-                <a:pPr algn="ctr"/>
-                <a:endParaRPr lang="zh-CN" altLang="en-US">
-                  <a:solidFill>
-                    <a:schemeClr val="tx1"/>
-                  </a:solidFill>
-                </a:endParaRPr>
-              </a:p>
-            </p:txBody>
-          </p:sp>
-          <p:sp>
-            <p:nvSpPr>
-              <p:cNvPr id="35" name="文本框 34"/>
-              <p:cNvSpPr txBox="1"/>
-              <p:nvPr/>
-            </p:nvSpPr>
-            <p:spPr>
-              <a:xfrm>
-                <a:off x="12217" y="1910"/>
-                <a:ext cx="2508" cy="725"/>
-              </a:xfrm>
-              <a:prstGeom prst="rect">
-                <a:avLst/>
-              </a:prstGeom>
-              <a:noFill/>
-            </p:spPr>
-            <p:txBody>
-              <a:bodyPr wrap="none" rtlCol="0">
-                <a:spAutoFit/>
-              </a:bodyPr>
-              <a:p>
-                <a:r>
-                  <a:rPr lang="en-US" altLang="zh-CN" sz="2400" b="1">
-                    <a:latin typeface="Lucida Console" panose="020B0609040504020204" charset="0"/>
-                    <a:cs typeface="Lucida Console" panose="020B0609040504020204" charset="0"/>
-                  </a:rPr>
-                  <a:t>HTTP</a:t>
-                </a:r>
-                <a:r>
-                  <a:rPr lang="zh-CN" altLang="en-US" sz="2400" b="1">
-                    <a:latin typeface="Lucida Console" panose="020B0609040504020204" charset="0"/>
-                    <a:cs typeface="Lucida Console" panose="020B0609040504020204" charset="0"/>
-                  </a:rPr>
-                  <a:t>：</a:t>
-                </a:r>
-                <a:r>
-                  <a:rPr lang="en-US" altLang="zh-CN" sz="2400" b="1">
-                    <a:latin typeface="Lucida Console" panose="020B0609040504020204" charset="0"/>
-                    <a:cs typeface="Lucida Console" panose="020B0609040504020204" charset="0"/>
-                  </a:rPr>
-                  <a:t>//</a:t>
-                </a:r>
-                <a:endParaRPr lang="en-US" altLang="zh-CN" sz="2400" b="1">
-                  <a:latin typeface="Lucida Console" panose="020B0609040504020204" charset="0"/>
-                  <a:cs typeface="Lucida Console" panose="020B0609040504020204" charset="0"/>
-                </a:endParaRPr>
-              </a:p>
-            </p:txBody>
-          </p:sp>
-        </p:grpSp>
-        <p:sp>
-          <p:nvSpPr>
-            <p:cNvPr id="37" name="文本框 36"/>
-            <p:cNvSpPr txBox="1"/>
-            <p:nvPr/>
-          </p:nvSpPr>
-          <p:spPr>
-            <a:xfrm>
-              <a:off x="12068" y="1431"/>
-              <a:ext cx="2604" cy="628"/>
-            </a:xfrm>
-            <a:prstGeom prst="rect">
-              <a:avLst/>
-            </a:prstGeom>
-            <a:noFill/>
-          </p:spPr>
-          <p:txBody>
-            <a:bodyPr wrap="square" rtlCol="0">
-              <a:spAutoFit/>
-            </a:bodyPr>
-            <a:p>
-              <a:r>
-                <a:rPr lang="en-US" altLang="zh-CN" sz="2000" b="1">
-                  <a:latin typeface="Lucida Console" panose="020B0609040504020204" charset="0"/>
-                  <a:cs typeface="Lucida Console" panose="020B0609040504020204" charset="0"/>
-                </a:rPr>
-                <a:t>WEB</a:t>
-              </a:r>
-              <a:r>
-                <a:rPr lang="zh-CN" altLang="en-US" sz="2000" b="1">
-                  <a:latin typeface="Lucida Console" panose="020B0609040504020204" charset="0"/>
-                  <a:cs typeface="Lucida Console" panose="020B0609040504020204" charset="0"/>
-                </a:rPr>
-                <a:t>浏览器</a:t>
-              </a:r>
-              <a:endParaRPr lang="zh-CN" altLang="en-US" sz="2000" b="1">
-                <a:latin typeface="Lucida Console" panose="020B0609040504020204" charset="0"/>
-                <a:cs typeface="Lucida Console" panose="020B0609040504020204" charset="0"/>
-              </a:endParaRPr>
-            </a:p>
-          </p:txBody>
-        </p:sp>
-      </p:grpSp>
-      <p:sp>
-        <p:nvSpPr>
-          <p:cNvPr id="40" name="闪电形 39"/>
+      <p:sp>
+        <p:nvSpPr>
+          <p:cNvPr id="6" name="矩形 5"/>
           <p:cNvSpPr/>
           <p:nvPr/>
         </p:nvSpPr>
         <p:spPr>
-          <a:xfrm rot="16980000">
-            <a:off x="5145405" y="347980"/>
-            <a:ext cx="1316990" cy="3162935"/>
+          <a:xfrm>
+            <a:off x="776605" y="663575"/>
+            <a:ext cx="4507865" cy="5007610"/>
           </a:xfrm>
-          <a:prstGeom prst="lightningBolt">
+          <a:prstGeom prst="rect">
             <a:avLst/>
           </a:prstGeom>
+          <a:noFill/>
+          <a:ln w="38100"/>
+          <a:extLst>
+            <a:ext uri="{909E8E84-426E-40DD-AFC4-6F175D3DCCD1}">
+              <a14:hiddenFill xmlns:a14="http://schemas.microsoft.com/office/drawing/2010/main">
+                <a:solidFill>
+                  <a:schemeClr val="lt1"/>
+                </a:solidFill>
+              </a14:hiddenFill>
+            </a:ext>
+          </a:extLst>
         </p:spPr>
         <p:style>
           <a:lnRef idx="2">
-            <a:schemeClr val="accent1">
-              <a:shade val="50000"/>
-            </a:schemeClr>
+            <a:schemeClr val="accent2"/>
           </a:lnRef>
           <a:fillRef idx="1">
-            <a:schemeClr val="accent1"/>
+            <a:schemeClr val="lt1"/>
           </a:fillRef>
           <a:effectRef idx="0">
-            <a:schemeClr val="accent1"/>
+            <a:schemeClr val="accent2"/>
           </a:effectRef>
           <a:fontRef idx="minor">
-            <a:schemeClr val="lt1"/>
+            <a:schemeClr val="dk1"/>
           </a:fontRef>
         </p:style>
         <p:txBody>
@@ -5733,14 +5876,14 @@
       </p:sp>
       <p:sp>
         <p:nvSpPr>
-          <p:cNvPr id="41" name="文本框 40"/>
+          <p:cNvPr id="12" name="文本框 11"/>
           <p:cNvSpPr txBox="1"/>
           <p:nvPr/>
         </p:nvSpPr>
         <p:spPr>
           <a:xfrm>
-            <a:off x="5430520" y="1035685"/>
-            <a:ext cx="643890" cy="398780"/>
+            <a:off x="3040380" y="1065530"/>
+            <a:ext cx="1100455" cy="460375"/>
           </a:xfrm>
           <a:prstGeom prst="rect">
             <a:avLst/>
@@ -5753,13 +5896,13 @@
           </a:bodyPr>
           <a:p>
             <a:r>
-              <a:rPr lang="en-US" altLang="zh-CN" sz="2000" b="1">
+              <a:rPr lang="en-US" altLang="zh-CN" sz="2400">
                 <a:latin typeface="Lucida Console" panose="020B0609040504020204" charset="0"/>
                 <a:cs typeface="Lucida Console" panose="020B0609040504020204" charset="0"/>
               </a:rPr>
-              <a:t>TCP</a:t>
+              <a:t>LOCAL</a:t>
             </a:r>
-            <a:endParaRPr lang="en-US" altLang="zh-CN" sz="2000" b="1">
+            <a:endParaRPr lang="en-US" altLang="zh-CN" sz="2400">
               <a:latin typeface="Lucida Console" panose="020B0609040504020204" charset="0"/>
               <a:cs typeface="Lucida Console" panose="020B0609040504020204" charset="0"/>
             </a:endParaRPr>
